--- a/slides.pptx
+++ b/slides.pptx
@@ -9819,15 +9819,15 @@
         </p:spPr>
         <p:style>
           <a:lnRef idx="2">
-            <a:schemeClr val="accent1">
+            <a:schemeClr val="accent2">
               <a:shade val="50000"/>
             </a:schemeClr>
           </a:lnRef>
           <a:fillRef idx="1">
-            <a:schemeClr val="accent1"/>
+            <a:schemeClr val="accent2"/>
           </a:fillRef>
           <a:effectRef idx="0">
-            <a:schemeClr val="accent1"/>
+            <a:schemeClr val="accent2"/>
           </a:effectRef>
           <a:fontRef idx="minor">
             <a:schemeClr val="lt1"/>
@@ -9901,15 +9901,15 @@
         </p:spPr>
         <p:style>
           <a:lnRef idx="2">
-            <a:schemeClr val="accent1">
+            <a:schemeClr val="accent2">
               <a:shade val="50000"/>
             </a:schemeClr>
           </a:lnRef>
           <a:fillRef idx="1">
-            <a:schemeClr val="accent1"/>
+            <a:schemeClr val="accent2"/>
           </a:fillRef>
           <a:effectRef idx="0">
-            <a:schemeClr val="accent1"/>
+            <a:schemeClr val="accent2"/>
           </a:effectRef>
           <a:fontRef idx="minor">
             <a:schemeClr val="lt1"/>
@@ -9940,15 +9940,15 @@
         </p:spPr>
         <p:style>
           <a:lnRef idx="2">
-            <a:schemeClr val="accent1">
+            <a:schemeClr val="accent2">
               <a:shade val="50000"/>
             </a:schemeClr>
           </a:lnRef>
           <a:fillRef idx="1">
-            <a:schemeClr val="accent1"/>
+            <a:schemeClr val="accent2"/>
           </a:fillRef>
           <a:effectRef idx="0">
-            <a:schemeClr val="accent1"/>
+            <a:schemeClr val="accent2"/>
           </a:effectRef>
           <a:fontRef idx="minor">
             <a:schemeClr val="lt1"/>
@@ -9979,15 +9979,15 @@
         </p:spPr>
         <p:style>
           <a:lnRef idx="2">
-            <a:schemeClr val="accent1">
+            <a:schemeClr val="accent2">
               <a:shade val="50000"/>
             </a:schemeClr>
           </a:lnRef>
           <a:fillRef idx="1">
-            <a:schemeClr val="accent1"/>
+            <a:schemeClr val="accent2"/>
           </a:fillRef>
           <a:effectRef idx="0">
-            <a:schemeClr val="accent1"/>
+            <a:schemeClr val="accent2"/>
           </a:effectRef>
           <a:fontRef idx="minor">
             <a:schemeClr val="lt1"/>
@@ -10018,15 +10018,15 @@
         </p:spPr>
         <p:style>
           <a:lnRef idx="2">
-            <a:schemeClr val="accent1">
+            <a:schemeClr val="accent2">
               <a:shade val="50000"/>
             </a:schemeClr>
           </a:lnRef>
           <a:fillRef idx="1">
-            <a:schemeClr val="accent1"/>
+            <a:schemeClr val="accent2"/>
           </a:fillRef>
           <a:effectRef idx="0">
-            <a:schemeClr val="accent1"/>
+            <a:schemeClr val="accent2"/>
           </a:effectRef>
           <a:fontRef idx="minor">
             <a:schemeClr val="lt1"/>
@@ -10057,15 +10057,15 @@
         </p:spPr>
         <p:style>
           <a:lnRef idx="2">
-            <a:schemeClr val="accent1">
+            <a:schemeClr val="accent2">
               <a:shade val="50000"/>
             </a:schemeClr>
           </a:lnRef>
           <a:fillRef idx="1">
-            <a:schemeClr val="accent1"/>
+            <a:schemeClr val="accent2"/>
           </a:fillRef>
           <a:effectRef idx="0">
-            <a:schemeClr val="accent1"/>
+            <a:schemeClr val="accent2"/>
           </a:effectRef>
           <a:fontRef idx="minor">
             <a:schemeClr val="lt1"/>
@@ -10916,6 +10916,58 @@
               <a:t>....</a:t>
             </a:r>
             <a:endParaRPr lang="en-US" altLang="en-US"/>
+          </a:p>
+        </p:txBody>
+      </p:sp>
+      <p:sp>
+        <p:nvSpPr>
+          <p:cNvPr id="3" name="Rectangles 2"/>
+          <p:cNvSpPr/>
+          <p:nvPr/>
+        </p:nvSpPr>
+        <p:spPr>
+          <a:xfrm>
+            <a:off x="1595120" y="4251325"/>
+            <a:ext cx="2853690" cy="1355090"/>
+          </a:xfrm>
+          <a:prstGeom prst="rect">
+            <a:avLst/>
+          </a:prstGeom>
+          <a:noFill/>
+          <a:ln w="19050">
+            <a:solidFill>
+              <a:schemeClr val="accent4"/>
+            </a:solidFill>
+          </a:ln>
+          <a:extLst>
+            <a:ext uri="{909E8E84-426E-40DD-AFC4-6F175D3DCCD1}">
+              <a14:hiddenFill xmlns:a14="http://schemas.microsoft.com/office/drawing/2010/main">
+                <a:solidFill>
+                  <a:schemeClr val="lt1"/>
+                </a:solidFill>
+              </a14:hiddenFill>
+            </a:ext>
+          </a:extLst>
+        </p:spPr>
+        <p:style>
+          <a:lnRef idx="2">
+            <a:schemeClr val="accent6"/>
+          </a:lnRef>
+          <a:fillRef idx="1">
+            <a:schemeClr val="lt1"/>
+          </a:fillRef>
+          <a:effectRef idx="0">
+            <a:schemeClr val="accent6"/>
+          </a:effectRef>
+          <a:fontRef idx="minor">
+            <a:schemeClr val="dk1"/>
+          </a:fontRef>
+        </p:style>
+        <p:txBody>
+          <a:bodyPr rtlCol="0" anchor="ctr"/>
+          <a:p>
+            <a:pPr algn="ctr"/>
+            <a:endParaRPr lang="en-US"/>
           </a:p>
         </p:txBody>
       </p:sp>
@@ -11489,6 +11541,51 @@
                                           </p:stCondLst>
                                         </p:cTn>
                                         <p:tgtEl>
+                                          <p:spTgt spid="3"/>
+                                        </p:tgtEl>
+                                        <p:attrNameLst>
+                                          <p:attrName>style.visibility</p:attrName>
+                                        </p:attrNameLst>
+                                      </p:cBhvr>
+                                      <p:to>
+                                        <p:strVal val="visible"/>
+                                      </p:to>
+                                    </p:set>
+                                  </p:childTnLst>
+                                </p:cTn>
+                              </p:par>
+                            </p:childTnLst>
+                          </p:cTn>
+                        </p:par>
+                      </p:childTnLst>
+                    </p:cTn>
+                  </p:par>
+                  <p:par>
+                    <p:cTn id="51" fill="hold">
+                      <p:stCondLst>
+                        <p:cond delay="indefinite"/>
+                      </p:stCondLst>
+                      <p:childTnLst>
+                        <p:par>
+                          <p:cTn id="52" fill="hold">
+                            <p:stCondLst>
+                              <p:cond delay="0"/>
+                            </p:stCondLst>
+                            <p:childTnLst>
+                              <p:par>
+                                <p:cTn id="53" presetID="1" presetClass="entr" presetSubtype="0" fill="hold" grpId="0" nodeType="clickEffect">
+                                  <p:stCondLst>
+                                    <p:cond delay="0"/>
+                                  </p:stCondLst>
+                                  <p:childTnLst>
+                                    <p:set>
+                                      <p:cBhvr>
+                                        <p:cTn id="54" dur="1" fill="hold">
+                                          <p:stCondLst>
+                                            <p:cond delay="0"/>
+                                          </p:stCondLst>
+                                        </p:cTn>
+                                        <p:tgtEl>
                                           <p:spTgt spid="21"/>
                                         </p:tgtEl>
                                         <p:attrNameLst>
@@ -11503,14 +11600,14 @@
                                 </p:cTn>
                               </p:par>
                               <p:par>
-                                <p:cTn id="51" presetID="1" presetClass="exit" presetSubtype="0" fill="hold" grpId="1" nodeType="withEffect">
+                                <p:cTn id="55" presetID="1" presetClass="exit" presetSubtype="0" fill="hold" grpId="1" nodeType="withEffect">
                                   <p:stCondLst>
                                     <p:cond delay="0"/>
                                   </p:stCondLst>
                                   <p:childTnLst>
                                     <p:set>
                                       <p:cBhvr>
-                                        <p:cTn id="52" dur="1" fill="hold">
+                                        <p:cTn id="56" dur="1" fill="hold">
                                           <p:stCondLst>
                                             <p:cond delay="0"/>
                                           </p:stCondLst>
@@ -11536,26 +11633,26 @@
                     </p:cTn>
                   </p:par>
                   <p:par>
-                    <p:cTn id="53" fill="hold">
+                    <p:cTn id="57" fill="hold">
                       <p:stCondLst>
                         <p:cond delay="indefinite"/>
                       </p:stCondLst>
                       <p:childTnLst>
                         <p:par>
-                          <p:cTn id="54" fill="hold">
+                          <p:cTn id="58" fill="hold">
                             <p:stCondLst>
                               <p:cond delay="0"/>
                             </p:stCondLst>
                             <p:childTnLst>
                               <p:par>
-                                <p:cTn id="55" presetID="1" presetClass="entr" presetSubtype="0" fill="hold" nodeType="clickEffect">
+                                <p:cTn id="59" presetID="1" presetClass="entr" presetSubtype="0" fill="hold" nodeType="clickEffect">
                                   <p:stCondLst>
                                     <p:cond delay="0"/>
                                   </p:stCondLst>
                                   <p:childTnLst>
                                     <p:set>
                                       <p:cBhvr>
-                                        <p:cTn id="56" dur="1" fill="hold">
+                                        <p:cTn id="60" dur="1" fill="hold">
                                           <p:stCondLst>
                                             <p:cond delay="0"/>
                                           </p:stCondLst>
@@ -11575,14 +11672,14 @@
                                 </p:cTn>
                               </p:par>
                               <p:par>
-                                <p:cTn id="57" presetID="1" presetClass="exit" presetSubtype="0" fill="hold" nodeType="withEffect">
+                                <p:cTn id="61" presetID="1" presetClass="exit" presetSubtype="0" fill="hold" nodeType="withEffect">
                                   <p:stCondLst>
                                     <p:cond delay="0"/>
                                   </p:stCondLst>
                                   <p:childTnLst>
                                     <p:set>
                                       <p:cBhvr>
-                                        <p:cTn id="58" dur="1" fill="hold">
+                                        <p:cTn id="62" dur="1" fill="hold">
                                           <p:stCondLst>
                                             <p:cond delay="0"/>
                                           </p:stCondLst>
@@ -11641,6 +11738,7 @@
       <p:bldP spid="20" grpId="1" bldLvl="0" animBg="1"/>
       <p:bldP spid="22" grpId="0" animBg="1"/>
       <p:bldP spid="30" grpId="0" animBg="1"/>
+      <p:bldP spid="3" grpId="0" animBg="1"/>
     </p:bldLst>
   </p:timing>
 </p:sld>
@@ -11810,7 +11908,7 @@
               <a:t>pop $</a:t>
             </a:r>
             <a:r>
-              <a:rPr lang="" altLang="en-US" sz="2400"/>
+              <a:rPr lang="en-US" altLang="en-US" sz="2400"/>
               <a:t>r</a:t>
             </a:r>
             <a:r>
@@ -11867,15 +11965,15 @@
         </p:spPr>
         <p:style>
           <a:lnRef idx="2">
-            <a:schemeClr val="accent1">
+            <a:schemeClr val="accent2">
               <a:shade val="50000"/>
             </a:schemeClr>
           </a:lnRef>
           <a:fillRef idx="1">
-            <a:schemeClr val="accent1"/>
+            <a:schemeClr val="accent2"/>
           </a:fillRef>
           <a:effectRef idx="0">
-            <a:schemeClr val="accent1"/>
+            <a:schemeClr val="accent2"/>
           </a:effectRef>
           <a:fontRef idx="minor">
             <a:schemeClr val="lt1"/>
@@ -11949,15 +12047,15 @@
         </p:spPr>
         <p:style>
           <a:lnRef idx="2">
-            <a:schemeClr val="accent1">
+            <a:schemeClr val="accent2">
               <a:shade val="50000"/>
             </a:schemeClr>
           </a:lnRef>
           <a:fillRef idx="1">
-            <a:schemeClr val="accent1"/>
+            <a:schemeClr val="accent2"/>
           </a:fillRef>
           <a:effectRef idx="0">
-            <a:schemeClr val="accent1"/>
+            <a:schemeClr val="accent2"/>
           </a:effectRef>
           <a:fontRef idx="minor">
             <a:schemeClr val="lt1"/>
@@ -11988,15 +12086,15 @@
         </p:spPr>
         <p:style>
           <a:lnRef idx="2">
-            <a:schemeClr val="accent1">
+            <a:schemeClr val="accent2">
               <a:shade val="50000"/>
             </a:schemeClr>
           </a:lnRef>
           <a:fillRef idx="1">
-            <a:schemeClr val="accent1"/>
+            <a:schemeClr val="accent2"/>
           </a:fillRef>
           <a:effectRef idx="0">
-            <a:schemeClr val="accent1"/>
+            <a:schemeClr val="accent2"/>
           </a:effectRef>
           <a:fontRef idx="minor">
             <a:schemeClr val="lt1"/>
@@ -12027,15 +12125,15 @@
         </p:spPr>
         <p:style>
           <a:lnRef idx="2">
-            <a:schemeClr val="accent1">
+            <a:schemeClr val="accent2">
               <a:shade val="50000"/>
             </a:schemeClr>
           </a:lnRef>
           <a:fillRef idx="1">
-            <a:schemeClr val="accent1"/>
+            <a:schemeClr val="accent2"/>
           </a:fillRef>
           <a:effectRef idx="0">
-            <a:schemeClr val="accent1"/>
+            <a:schemeClr val="accent2"/>
           </a:effectRef>
           <a:fontRef idx="minor">
             <a:schemeClr val="lt1"/>
@@ -12854,36 +12952,7 @@
           <a:p>
             <a:r>
               <a:rPr lang="en-US" altLang="en-US" sz="2400"/>
-              <a:t>add $rsp, 8 </a:t>
-            </a:r>
-            <a:endParaRPr lang="en-US" altLang="en-US" sz="2400"/>
-          </a:p>
-        </p:txBody>
-      </p:sp>
-      <p:sp>
-        <p:nvSpPr>
-          <p:cNvPr id="28" name="Text Box 27"/>
-          <p:cNvSpPr txBox="1"/>
-          <p:nvPr/>
-        </p:nvSpPr>
-        <p:spPr>
-          <a:xfrm>
-            <a:off x="8825230" y="4850765"/>
-            <a:ext cx="2995295" cy="460375"/>
-          </a:xfrm>
-          <a:prstGeom prst="rect">
-            <a:avLst/>
-          </a:prstGeom>
-          <a:noFill/>
-        </p:spPr>
-        <p:txBody>
-          <a:bodyPr wrap="square" rtlCol="0">
-            <a:spAutoFit/>
-          </a:bodyPr>
-          <a:p>
-            <a:r>
-              <a:rPr lang="en-US" altLang="en-US" sz="2400"/>
-              <a:t>jmp $rsp - 8</a:t>
+              <a:t>pop $rip</a:t>
             </a:r>
             <a:endParaRPr lang="en-US" altLang="en-US" sz="2400"/>
           </a:p>
@@ -12906,15 +12975,15 @@
         </p:spPr>
         <p:style>
           <a:lnRef idx="2">
-            <a:schemeClr val="accent1">
+            <a:schemeClr val="accent2">
               <a:shade val="50000"/>
             </a:schemeClr>
           </a:lnRef>
           <a:fillRef idx="1">
-            <a:schemeClr val="accent1"/>
+            <a:schemeClr val="accent2"/>
           </a:fillRef>
           <a:effectRef idx="0">
-            <a:schemeClr val="accent1"/>
+            <a:schemeClr val="accent2"/>
           </a:effectRef>
           <a:fontRef idx="minor">
             <a:schemeClr val="lt1"/>
@@ -12930,45 +12999,6 @@
       </p:sp>
       <p:sp>
         <p:nvSpPr>
-          <p:cNvPr id="47" name="Right Arrow 46"/>
-          <p:cNvSpPr/>
-          <p:nvPr/>
-        </p:nvSpPr>
-        <p:spPr>
-          <a:xfrm>
-            <a:off x="7974965" y="4980940"/>
-            <a:ext cx="695960" cy="307340"/>
-          </a:xfrm>
-          <a:prstGeom prst="rightArrow">
-            <a:avLst/>
-          </a:prstGeom>
-        </p:spPr>
-        <p:style>
-          <a:lnRef idx="2">
-            <a:schemeClr val="accent1">
-              <a:shade val="50000"/>
-            </a:schemeClr>
-          </a:lnRef>
-          <a:fillRef idx="1">
-            <a:schemeClr val="accent1"/>
-          </a:fillRef>
-          <a:effectRef idx="0">
-            <a:schemeClr val="accent1"/>
-          </a:effectRef>
-          <a:fontRef idx="minor">
-            <a:schemeClr val="lt1"/>
-          </a:fontRef>
-        </p:style>
-        <p:txBody>
-          <a:bodyPr rtlCol="0" anchor="ctr"/>
-          <a:p>
-            <a:pPr algn="ctr"/>
-            <a:endParaRPr lang="en-US"/>
-          </a:p>
-        </p:txBody>
-      </p:sp>
-      <p:sp>
-        <p:nvSpPr>
           <p:cNvPr id="48" name="Text Box 47"/>
           <p:cNvSpPr txBox="1"/>
           <p:nvPr/>
@@ -12993,6 +13023,58 @@
               <a:t>....</a:t>
             </a:r>
             <a:endParaRPr lang="en-US" altLang="en-US"/>
+          </a:p>
+        </p:txBody>
+      </p:sp>
+      <p:sp>
+        <p:nvSpPr>
+          <p:cNvPr id="3" name="Rectangles 2"/>
+          <p:cNvSpPr/>
+          <p:nvPr/>
+        </p:nvSpPr>
+        <p:spPr>
+          <a:xfrm>
+            <a:off x="1595120" y="4251325"/>
+            <a:ext cx="2853690" cy="1355090"/>
+          </a:xfrm>
+          <a:prstGeom prst="rect">
+            <a:avLst/>
+          </a:prstGeom>
+          <a:noFill/>
+          <a:ln w="19050">
+            <a:solidFill>
+              <a:schemeClr val="accent4"/>
+            </a:solidFill>
+          </a:ln>
+          <a:extLst>
+            <a:ext uri="{909E8E84-426E-40DD-AFC4-6F175D3DCCD1}">
+              <a14:hiddenFill xmlns:a14="http://schemas.microsoft.com/office/drawing/2010/main">
+                <a:solidFill>
+                  <a:schemeClr val="lt1"/>
+                </a:solidFill>
+              </a14:hiddenFill>
+            </a:ext>
+          </a:extLst>
+        </p:spPr>
+        <p:style>
+          <a:lnRef idx="2">
+            <a:schemeClr val="accent6"/>
+          </a:lnRef>
+          <a:fillRef idx="1">
+            <a:schemeClr val="lt1"/>
+          </a:fillRef>
+          <a:effectRef idx="0">
+            <a:schemeClr val="accent6"/>
+          </a:effectRef>
+          <a:fontRef idx="minor">
+            <a:schemeClr val="dk1"/>
+          </a:fontRef>
+        </p:style>
+        <p:txBody>
+          <a:bodyPr rtlCol="0" anchor="ctr"/>
+          <a:p>
+            <a:pPr algn="ctr"/>
+            <a:endParaRPr lang="en-US"/>
           </a:p>
         </p:txBody>
       </p:sp>
@@ -13534,60 +13616,15 @@
                                   </p:childTnLst>
                                 </p:cTn>
                               </p:par>
-                            </p:childTnLst>
-                          </p:cTn>
-                        </p:par>
-                      </p:childTnLst>
-                    </p:cTn>
-                  </p:par>
-                  <p:par>
-                    <p:cTn id="47" fill="hold">
-                      <p:stCondLst>
-                        <p:cond delay="indefinite"/>
-                      </p:stCondLst>
-                      <p:childTnLst>
-                        <p:par>
-                          <p:cTn id="48" fill="hold">
-                            <p:stCondLst>
-                              <p:cond delay="0"/>
-                            </p:stCondLst>
-                            <p:childTnLst>
                               <p:par>
-                                <p:cTn id="49" presetID="1" presetClass="entr" presetSubtype="0" fill="hold" grpId="0" nodeType="clickEffect">
+                                <p:cTn id="47" presetID="1" presetClass="exit" presetSubtype="0" fill="hold" grpId="1" nodeType="withEffect">
                                   <p:stCondLst>
                                     <p:cond delay="0"/>
                                   </p:stCondLst>
                                   <p:childTnLst>
                                     <p:set>
                                       <p:cBhvr>
-                                        <p:cTn id="50" dur="1" fill="hold">
-                                          <p:stCondLst>
-                                            <p:cond delay="0"/>
-                                          </p:stCondLst>
-                                        </p:cTn>
-                                        <p:tgtEl>
-                                          <p:spTgt spid="47"/>
-                                        </p:tgtEl>
-                                        <p:attrNameLst>
-                                          <p:attrName>style.visibility</p:attrName>
-                                        </p:attrNameLst>
-                                      </p:cBhvr>
-                                      <p:to>
-                                        <p:strVal val="visible"/>
-                                      </p:to>
-                                    </p:set>
-                                  </p:childTnLst>
-                                </p:cTn>
-                              </p:par>
-                              <p:par>
-                                <p:cTn id="51" presetID="1" presetClass="exit" presetSubtype="0" fill="hold" grpId="1" nodeType="withEffect">
-                                  <p:stCondLst>
-                                    <p:cond delay="0"/>
-                                  </p:stCondLst>
-                                  <p:childTnLst>
-                                    <p:set>
-                                      <p:cBhvr>
-                                        <p:cTn id="52" dur="1" fill="hold">
+                                        <p:cTn id="48" dur="1" fill="hold">
                                           <p:stCondLst>
                                             <p:cond delay="0"/>
                                           </p:stCondLst>
@@ -13641,7 +13678,6 @@
       <p:bldP spid="19" grpId="0" bldLvl="0" animBg="1"/>
       <p:bldP spid="18" grpId="1" bldLvl="0" animBg="1"/>
       <p:bldP spid="46" grpId="0" bldLvl="0" animBg="1"/>
-      <p:bldP spid="47" grpId="0" bldLvl="0" animBg="1"/>
       <p:bldP spid="19" grpId="1" bldLvl="0" animBg="1"/>
       <p:bldP spid="46" grpId="1" bldLvl="0" animBg="1"/>
     </p:bldLst>
@@ -13813,7 +13849,7 @@
               <a:t>pop $</a:t>
             </a:r>
             <a:r>
-              <a:rPr lang="" altLang="en-US" sz="2400"/>
+              <a:rPr lang="en-US" altLang="en-US" sz="2400"/>
               <a:t>r</a:t>
             </a:r>
             <a:r>
@@ -13870,15 +13906,15 @@
         </p:spPr>
         <p:style>
           <a:lnRef idx="2">
-            <a:schemeClr val="accent1">
+            <a:schemeClr val="accent2">
               <a:shade val="50000"/>
             </a:schemeClr>
           </a:lnRef>
           <a:fillRef idx="1">
-            <a:schemeClr val="accent1"/>
+            <a:schemeClr val="accent2"/>
           </a:fillRef>
           <a:effectRef idx="0">
-            <a:schemeClr val="accent1"/>
+            <a:schemeClr val="accent2"/>
           </a:effectRef>
           <a:fontRef idx="minor">
             <a:schemeClr val="lt1"/>
@@ -13952,15 +13988,15 @@
         </p:spPr>
         <p:style>
           <a:lnRef idx="2">
-            <a:schemeClr val="accent1">
+            <a:schemeClr val="accent2">
               <a:shade val="50000"/>
             </a:schemeClr>
           </a:lnRef>
           <a:fillRef idx="1">
-            <a:schemeClr val="accent1"/>
+            <a:schemeClr val="accent2"/>
           </a:fillRef>
           <a:effectRef idx="0">
-            <a:schemeClr val="accent1"/>
+            <a:schemeClr val="accent2"/>
           </a:effectRef>
           <a:fontRef idx="minor">
             <a:schemeClr val="lt1"/>
@@ -13991,15 +14027,15 @@
         </p:spPr>
         <p:style>
           <a:lnRef idx="2">
-            <a:schemeClr val="accent1">
+            <a:schemeClr val="accent2">
               <a:shade val="50000"/>
             </a:schemeClr>
           </a:lnRef>
           <a:fillRef idx="1">
-            <a:schemeClr val="accent1"/>
+            <a:schemeClr val="accent2"/>
           </a:fillRef>
           <a:effectRef idx="0">
-            <a:schemeClr val="accent1"/>
+            <a:schemeClr val="accent2"/>
           </a:effectRef>
           <a:fontRef idx="minor">
             <a:schemeClr val="lt1"/>
@@ -14030,15 +14066,15 @@
         </p:spPr>
         <p:style>
           <a:lnRef idx="2">
-            <a:schemeClr val="accent1">
+            <a:schemeClr val="accent2">
               <a:shade val="50000"/>
             </a:schemeClr>
           </a:lnRef>
           <a:fillRef idx="1">
-            <a:schemeClr val="accent1"/>
+            <a:schemeClr val="accent2"/>
           </a:fillRef>
           <a:effectRef idx="0">
-            <a:schemeClr val="accent1"/>
+            <a:schemeClr val="accent2"/>
           </a:effectRef>
           <a:fontRef idx="minor">
             <a:schemeClr val="lt1"/>
@@ -14857,36 +14893,7 @@
           <a:p>
             <a:r>
               <a:rPr lang="en-US" altLang="en-US" sz="2400"/>
-              <a:t>add $rsp, 8 </a:t>
-            </a:r>
-            <a:endParaRPr lang="en-US" altLang="en-US" sz="2400"/>
-          </a:p>
-        </p:txBody>
-      </p:sp>
-      <p:sp>
-        <p:nvSpPr>
-          <p:cNvPr id="28" name="Text Box 27"/>
-          <p:cNvSpPr txBox="1"/>
-          <p:nvPr/>
-        </p:nvSpPr>
-        <p:spPr>
-          <a:xfrm>
-            <a:off x="8825230" y="4040505"/>
-            <a:ext cx="2995295" cy="460375"/>
-          </a:xfrm>
-          <a:prstGeom prst="rect">
-            <a:avLst/>
-          </a:prstGeom>
-          <a:noFill/>
-        </p:spPr>
-        <p:txBody>
-          <a:bodyPr wrap="square" rtlCol="0">
-            <a:spAutoFit/>
-          </a:bodyPr>
-          <a:p>
-            <a:r>
-              <a:rPr lang="en-US" altLang="en-US" sz="2400"/>
-              <a:t>jmp $(rsp-8)</a:t>
+              <a:t>pop $rip</a:t>
             </a:r>
             <a:endParaRPr lang="en-US" altLang="en-US" sz="2400"/>
           </a:p>
@@ -14909,54 +14916,15 @@
         </p:spPr>
         <p:style>
           <a:lnRef idx="2">
-            <a:schemeClr val="accent1">
+            <a:schemeClr val="accent2">
               <a:shade val="50000"/>
             </a:schemeClr>
           </a:lnRef>
           <a:fillRef idx="1">
-            <a:schemeClr val="accent1"/>
+            <a:schemeClr val="accent2"/>
           </a:fillRef>
           <a:effectRef idx="0">
-            <a:schemeClr val="accent1"/>
-          </a:effectRef>
-          <a:fontRef idx="minor">
-            <a:schemeClr val="lt1"/>
-          </a:fontRef>
-        </p:style>
-        <p:txBody>
-          <a:bodyPr rtlCol="0" anchor="ctr"/>
-          <a:p>
-            <a:pPr algn="ctr"/>
-            <a:endParaRPr lang="en-US"/>
-          </a:p>
-        </p:txBody>
-      </p:sp>
-      <p:sp>
-        <p:nvSpPr>
-          <p:cNvPr id="47" name="Right Arrow 46"/>
-          <p:cNvSpPr/>
-          <p:nvPr/>
-        </p:nvSpPr>
-        <p:spPr>
-          <a:xfrm>
-            <a:off x="7974965" y="4170680"/>
-            <a:ext cx="695960" cy="307340"/>
-          </a:xfrm>
-          <a:prstGeom prst="rightArrow">
-            <a:avLst/>
-          </a:prstGeom>
-        </p:spPr>
-        <p:style>
-          <a:lnRef idx="2">
-            <a:schemeClr val="accent1">
-              <a:shade val="50000"/>
-            </a:schemeClr>
-          </a:lnRef>
-          <a:fillRef idx="1">
-            <a:schemeClr val="accent1"/>
-          </a:fillRef>
-          <a:effectRef idx="0">
-            <a:schemeClr val="accent1"/>
+            <a:schemeClr val="accent2"/>
           </a:effectRef>
           <a:fontRef idx="minor">
             <a:schemeClr val="lt1"/>
@@ -15069,7 +15037,7 @@
         </p:nvSpPr>
         <p:spPr>
           <a:xfrm>
-            <a:off x="838200" y="1707515"/>
+            <a:off x="850900" y="1734820"/>
             <a:ext cx="695960" cy="307340"/>
           </a:xfrm>
           <a:prstGeom prst="rightArrow">
@@ -15078,15 +15046,15 @@
         </p:spPr>
         <p:style>
           <a:lnRef idx="2">
-            <a:schemeClr val="accent1">
+            <a:schemeClr val="accent2">
               <a:shade val="50000"/>
             </a:schemeClr>
           </a:lnRef>
           <a:fillRef idx="1">
-            <a:schemeClr val="accent1"/>
+            <a:schemeClr val="accent2"/>
           </a:fillRef>
           <a:effectRef idx="0">
-            <a:schemeClr val="accent1"/>
+            <a:schemeClr val="accent2"/>
           </a:effectRef>
           <a:fontRef idx="minor">
             <a:schemeClr val="lt1"/>
@@ -15483,6 +15451,58 @@
           </p:txBody>
         </p:sp>
       </p:grpSp>
+      <p:sp>
+        <p:nvSpPr>
+          <p:cNvPr id="29" name="Rectangles 28"/>
+          <p:cNvSpPr/>
+          <p:nvPr/>
+        </p:nvSpPr>
+        <p:spPr>
+          <a:xfrm>
+            <a:off x="1595120" y="4251325"/>
+            <a:ext cx="2853690" cy="1355090"/>
+          </a:xfrm>
+          <a:prstGeom prst="rect">
+            <a:avLst/>
+          </a:prstGeom>
+          <a:noFill/>
+          <a:ln w="19050">
+            <a:solidFill>
+              <a:schemeClr val="accent4"/>
+            </a:solidFill>
+          </a:ln>
+          <a:extLst>
+            <a:ext uri="{909E8E84-426E-40DD-AFC4-6F175D3DCCD1}">
+              <a14:hiddenFill xmlns:a14="http://schemas.microsoft.com/office/drawing/2010/main">
+                <a:solidFill>
+                  <a:schemeClr val="lt1"/>
+                </a:solidFill>
+              </a14:hiddenFill>
+            </a:ext>
+          </a:extLst>
+        </p:spPr>
+        <p:style>
+          <a:lnRef idx="2">
+            <a:schemeClr val="accent6"/>
+          </a:lnRef>
+          <a:fillRef idx="1">
+            <a:schemeClr val="lt1"/>
+          </a:fillRef>
+          <a:effectRef idx="0">
+            <a:schemeClr val="accent6"/>
+          </a:effectRef>
+          <a:fontRef idx="minor">
+            <a:schemeClr val="dk1"/>
+          </a:fontRef>
+        </p:style>
+        <p:txBody>
+          <a:bodyPr rtlCol="0" anchor="ctr"/>
+          <a:p>
+            <a:pPr algn="ctr"/>
+            <a:endParaRPr lang="en-US"/>
+          </a:p>
+        </p:txBody>
+      </p:sp>
     </p:spTree>
   </p:cSld>
   <p:clrMapOvr>
@@ -16066,60 +16086,15 @@
                                   </p:childTnLst>
                                 </p:cTn>
                               </p:par>
-                            </p:childTnLst>
-                          </p:cTn>
-                        </p:par>
-                      </p:childTnLst>
-                    </p:cTn>
-                  </p:par>
-                  <p:par>
-                    <p:cTn id="51" fill="hold">
-                      <p:stCondLst>
-                        <p:cond delay="indefinite"/>
-                      </p:stCondLst>
-                      <p:childTnLst>
-                        <p:par>
-                          <p:cTn id="52" fill="hold">
-                            <p:stCondLst>
-                              <p:cond delay="0"/>
-                            </p:stCondLst>
-                            <p:childTnLst>
                               <p:par>
-                                <p:cTn id="53" presetID="1" presetClass="entr" presetSubtype="0" fill="hold" grpId="0" nodeType="clickEffect">
+                                <p:cTn id="51" presetID="1" presetClass="exit" presetSubtype="0" fill="hold" grpId="1" nodeType="withEffect">
                                   <p:stCondLst>
                                     <p:cond delay="0"/>
                                   </p:stCondLst>
                                   <p:childTnLst>
                                     <p:set>
                                       <p:cBhvr>
-                                        <p:cTn id="54" dur="1" fill="hold">
-                                          <p:stCondLst>
-                                            <p:cond delay="0"/>
-                                          </p:stCondLst>
-                                        </p:cTn>
-                                        <p:tgtEl>
-                                          <p:spTgt spid="47"/>
-                                        </p:tgtEl>
-                                        <p:attrNameLst>
-                                          <p:attrName>style.visibility</p:attrName>
-                                        </p:attrNameLst>
-                                      </p:cBhvr>
-                                      <p:to>
-                                        <p:strVal val="visible"/>
-                                      </p:to>
-                                    </p:set>
-                                  </p:childTnLst>
-                                </p:cTn>
-                              </p:par>
-                              <p:par>
-                                <p:cTn id="55" presetID="1" presetClass="exit" presetSubtype="0" fill="hold" grpId="1" nodeType="withEffect">
-                                  <p:stCondLst>
-                                    <p:cond delay="0"/>
-                                  </p:stCondLst>
-                                  <p:childTnLst>
-                                    <p:set>
-                                      <p:cBhvr>
-                                        <p:cTn id="56" dur="1" fill="hold">
+                                        <p:cTn id="52" dur="1" fill="hold">
                                           <p:stCondLst>
                                             <p:cond delay="0"/>
                                           </p:stCondLst>
@@ -16138,33 +16113,15 @@
                                   </p:childTnLst>
                                 </p:cTn>
                               </p:par>
-                            </p:childTnLst>
-                          </p:cTn>
-                        </p:par>
-                      </p:childTnLst>
-                    </p:cTn>
-                  </p:par>
-                  <p:par>
-                    <p:cTn id="57" fill="hold">
-                      <p:stCondLst>
-                        <p:cond delay="indefinite"/>
-                      </p:stCondLst>
-                      <p:childTnLst>
-                        <p:par>
-                          <p:cTn id="58" fill="hold">
-                            <p:stCondLst>
-                              <p:cond delay="0"/>
-                            </p:stCondLst>
-                            <p:childTnLst>
                               <p:par>
-                                <p:cTn id="59" presetID="1" presetClass="entr" presetSubtype="0" fill="hold" grpId="0" nodeType="clickEffect">
+                                <p:cTn id="53" presetID="1" presetClass="entr" presetSubtype="0" fill="hold" grpId="0" nodeType="withEffect">
                                   <p:stCondLst>
                                     <p:cond delay="0"/>
                                   </p:stCondLst>
                                   <p:childTnLst>
                                     <p:set>
                                       <p:cBhvr>
-                                        <p:cTn id="60" dur="1" fill="hold">
+                                        <p:cTn id="54" dur="1" fill="hold">
                                           <p:stCondLst>
                                             <p:cond delay="0"/>
                                           </p:stCondLst>
@@ -16183,33 +16140,6 @@
                                   </p:childTnLst>
                                 </p:cTn>
                               </p:par>
-                              <p:par>
-                                <p:cTn id="61" presetID="1" presetClass="exit" presetSubtype="0" fill="hold" grpId="1" nodeType="withEffect">
-                                  <p:stCondLst>
-                                    <p:cond delay="0"/>
-                                  </p:stCondLst>
-                                  <p:childTnLst>
-                                    <p:set>
-                                      <p:cBhvr>
-                                        <p:cTn id="62" dur="1" fill="hold">
-                                          <p:stCondLst>
-                                            <p:cond delay="0"/>
-                                          </p:stCondLst>
-                                        </p:cTn>
-                                        <p:tgtEl>
-                                          <p:spTgt spid="47"/>
-                                        </p:tgtEl>
-                                        <p:attrNameLst>
-                                          <p:attrName>style.visibility</p:attrName>
-                                        </p:attrNameLst>
-                                      </p:cBhvr>
-                                      <p:to>
-                                        <p:strVal val="hidden"/>
-                                      </p:to>
-                                    </p:set>
-                                  </p:childTnLst>
-                                </p:cTn>
-                              </p:par>
                             </p:childTnLst>
                           </p:cTn>
                         </p:par>
@@ -16217,26 +16147,26 @@
                     </p:cTn>
                   </p:par>
                   <p:par>
-                    <p:cTn id="63" fill="hold">
+                    <p:cTn id="55" fill="hold">
                       <p:stCondLst>
                         <p:cond delay="indefinite"/>
                       </p:stCondLst>
                       <p:childTnLst>
                         <p:par>
-                          <p:cTn id="64" fill="hold">
+                          <p:cTn id="56" fill="hold">
                             <p:stCondLst>
                               <p:cond delay="0"/>
                             </p:stCondLst>
                             <p:childTnLst>
                               <p:par>
-                                <p:cTn id="65" presetID="1" presetClass="entr" presetSubtype="0" fill="hold" grpId="0" nodeType="clickEffect">
+                                <p:cTn id="57" presetID="1" presetClass="entr" presetSubtype="0" fill="hold" grpId="0" nodeType="clickEffect">
                                   <p:stCondLst>
                                     <p:cond delay="0"/>
                                   </p:stCondLst>
                                   <p:childTnLst>
                                     <p:set>
                                       <p:cBhvr>
-                                        <p:cTn id="66" dur="1" fill="hold">
+                                        <p:cTn id="58" dur="1" fill="hold">
                                           <p:stCondLst>
                                             <p:cond delay="0"/>
                                           </p:stCondLst>
@@ -16290,12 +16220,10 @@
       <p:bldP spid="19" grpId="0" bldLvl="0" animBg="1"/>
       <p:bldP spid="18" grpId="1" bldLvl="0" animBg="1"/>
       <p:bldP spid="46" grpId="0" bldLvl="0" animBg="1"/>
-      <p:bldP spid="47" grpId="0" bldLvl="0" animBg="1"/>
       <p:bldP spid="19" grpId="1" bldLvl="0" animBg="1"/>
       <p:bldP spid="46" grpId="1" bldLvl="0" animBg="1"/>
       <p:bldP spid="49" grpId="0"/>
       <p:bldP spid="51" grpId="0" bldLvl="0" animBg="1"/>
-      <p:bldP spid="47" grpId="1" bldLvl="0" animBg="1"/>
     </p:bldLst>
   </p:timing>
 </p:sld>
@@ -18155,10 +18083,6 @@
                       <a:pPr>
                         <a:buNone/>
                       </a:pPr>
-                      <a:r>
-                        <a:rPr lang="en-US" altLang="en-US"/>
-                        <a:t>scanf@libc</a:t>
-                      </a:r>
                       <a:endParaRPr lang="en-US" altLang="en-US"/>
                     </a:p>
                   </a:txBody>
